--- a/emotional erwachsen/Perception (PER)/ger_PER_05_Wegbeamen.pptx
+++ b/emotional erwachsen/Perception (PER)/ger_PER_05_Wegbeamen.pptx
@@ -2081,15 +2081,19 @@
             </a:r>
             <a:r>
               <a:rPr lang="de-DE" dirty="0"/>
-              <a:t>im Alltag nach, was Du alles machst, um Dich wegbeamen zu können. Viele Tätigkeiten (z.B. Lesen, Fernsehen, Handyspiele, aber auch andere Alltagstätigkeiten) können gut zum Wegbeamen benutzt werden. Wann benutzt Du sie, um innerlich </a:t>
-            </a:r>
-            <a:r>
-              <a:rPr lang="de-DE" dirty="0" err="1"/>
-              <a:t>weggegehen</a:t>
+              <a:t>im Alltag nach, was Du alles machst, um Dich wegbeamen zu können. Viele Tätigkeiten (z.B. Lesen, Fernsehen, Handyspiele, aber auch andere Alltagstätigkeiten) können gut zum Wegbeamen benutzt werden. Wann benutzt Du sie, um </a:t>
+            </a:r>
+            <a:r>
+              <a:rPr lang="de-DE"/>
+              <a:t>innerlich </a:t>
+            </a:r>
+            <a:r>
+              <a:rPr lang="de-DE" smtClean="0"/>
+              <a:t>weggehen </a:t>
             </a:r>
             <a:r>
               <a:rPr lang="de-DE" dirty="0"/>
-              <a:t> zu können, wann nicht</a:t>
+              <a:t>zu können, wann nicht</a:t>
             </a:r>
             <a:r>
               <a:rPr lang="de-DE" dirty="0" smtClean="0"/>
